--- a/Presentación Admón. Avanzada de PostgreSQL.pptx
+++ b/Presentación Admón. Avanzada de PostgreSQL.pptx
@@ -10,7 +10,7 @@
   </p:notesMasterIdLst>
   <p:sldIdLst>
     <p:sldId id="265" r:id="rId3"/>
-    <p:sldId id="266" r:id="rId4"/>
+    <p:sldId id="268" r:id="rId4"/>
     <p:sldId id="267" r:id="rId5"/>
     <p:sldId id="263" r:id="rId6"/>
     <p:sldId id="264" r:id="rId7"/>
@@ -620,7 +620,7 @@
     </p:spTree>
     <p:extLst>
       <p:ext uri="{BB962C8B-B14F-4D97-AF65-F5344CB8AC3E}">
-        <p14:creationId xmlns:p14="http://schemas.microsoft.com/office/powerpoint/2010/main" val="3728316763"/>
+        <p14:creationId xmlns:p14="http://schemas.microsoft.com/office/powerpoint/2010/main" val="1742430863"/>
       </p:ext>
     </p:extLst>
   </p:cSld>
@@ -6239,369 +6239,6 @@
       </p:pic>
       <p:sp>
         <p:nvSpPr>
-          <p:cNvPr id="19" name="18 CuadroTexto"/>
-          <p:cNvSpPr txBox="1"/>
-          <p:nvPr/>
-        </p:nvSpPr>
-        <p:spPr>
-          <a:xfrm>
-            <a:off x="534028" y="4097104"/>
-            <a:ext cx="3500364" cy="1708160"/>
-          </a:xfrm>
-          <a:prstGeom prst="rect">
-            <a:avLst/>
-          </a:prstGeom>
-          <a:noFill/>
-          <a:ln>
-            <a:solidFill>
-              <a:schemeClr val="bg1"/>
-            </a:solidFill>
-          </a:ln>
-        </p:spPr>
-        <p:txBody>
-          <a:bodyPr wrap="square" rtlCol="0">
-            <a:spAutoFit/>
-          </a:bodyPr>
-          <a:lstStyle/>
-          <a:p>
-            <a:pPr marL="357188" marR="0" lvl="0" indent="-357188" algn="just" defTabSz="914400" rtl="0" eaLnBrk="1" fontAlgn="auto" latinLnBrk="0" hangingPunct="1">
-              <a:lnSpc>
-                <a:spcPct val="200000"/>
-              </a:lnSpc>
-              <a:spcBef>
-                <a:spcPts val="0"/>
-              </a:spcBef>
-              <a:spcAft>
-                <a:spcPts val="0"/>
-              </a:spcAft>
-              <a:buClrTx/>
-              <a:buSzPct val="183000"/>
-              <a:buFontTx/>
-              <a:buBlip>
-                <a:blip r:embed="rId4"/>
-              </a:buBlip>
-              <a:tabLst/>
-              <a:defRPr/>
-            </a:pPr>
-            <a:r>
-              <a:rPr kumimoji="0" lang="es-ES" sz="1050" b="0" i="0" u="none" strike="noStrike" kern="1200" cap="none" spc="0" normalizeH="0" baseline="0" noProof="0" dirty="0">
-                <a:ln>
-                  <a:noFill/>
-                </a:ln>
-                <a:solidFill>
-                  <a:srgbClr val="1F497D"/>
-                </a:solidFill>
-                <a:effectLst/>
-                <a:uLnTx/>
-                <a:uFillTx/>
-                <a:latin typeface="Calibri"/>
-                <a:ea typeface="+mn-ea"/>
-                <a:cs typeface="+mn-cs"/>
-                <a:hlinkClick r:id="rId5"/>
-              </a:rPr>
-              <a:t>www.iconotc.com</a:t>
-            </a:r>
-            <a:endParaRPr kumimoji="0" lang="es-ES" sz="1050" b="0" i="0" u="none" strike="noStrike" kern="1200" cap="none" spc="0" normalizeH="0" baseline="0" noProof="0" dirty="0">
-              <a:ln>
-                <a:noFill/>
-              </a:ln>
-              <a:solidFill>
-                <a:srgbClr val="1F497D"/>
-              </a:solidFill>
-              <a:effectLst/>
-              <a:uLnTx/>
-              <a:uFillTx/>
-              <a:latin typeface="Calibri"/>
-              <a:ea typeface="+mn-ea"/>
-              <a:cs typeface="+mn-cs"/>
-            </a:endParaRPr>
-          </a:p>
-          <a:p>
-            <a:pPr marL="357188" marR="0" lvl="0" indent="-357188" algn="just" defTabSz="914400" rtl="0" eaLnBrk="1" fontAlgn="auto" latinLnBrk="0" hangingPunct="1">
-              <a:lnSpc>
-                <a:spcPct val="200000"/>
-              </a:lnSpc>
-              <a:spcBef>
-                <a:spcPts val="0"/>
-              </a:spcBef>
-              <a:spcAft>
-                <a:spcPts val="0"/>
-              </a:spcAft>
-              <a:buClrTx/>
-              <a:buSzPct val="183000"/>
-              <a:buFontTx/>
-              <a:buBlip>
-                <a:blip r:embed="rId4"/>
-              </a:buBlip>
-              <a:tabLst/>
-              <a:defRPr/>
-            </a:pPr>
-            <a:r>
-              <a:rPr kumimoji="0" lang="es-ES" sz="1050" b="0" i="0" u="none" strike="noStrike" kern="1200" cap="none" spc="-1" normalizeH="0" baseline="0" noProof="0" dirty="0">
-                <a:ln>
-                  <a:noFill/>
-                </a:ln>
-                <a:solidFill>
-                  <a:prstClr val="white"/>
-                </a:solidFill>
-                <a:effectLst/>
-                <a:uLnTx/>
-                <a:uFillTx/>
-                <a:latin typeface="Calibri"/>
-                <a:ea typeface="ＭＳ Ｐゴシック"/>
-                <a:cs typeface="+mn-cs"/>
-              </a:rPr>
-              <a:t>          </a:t>
-            </a:r>
-            <a:r>
-              <a:rPr kumimoji="0" lang="es-ES" sz="1050" b="0" i="0" u="none" strike="noStrike" kern="1200" cap="none" spc="-1" normalizeH="0" baseline="0" noProof="0" dirty="0">
-                <a:ln>
-                  <a:noFill/>
-                </a:ln>
-                <a:solidFill>
-                  <a:prstClr val="white"/>
-                </a:solidFill>
-                <a:effectLst/>
-                <a:uLnTx/>
-                <a:uFillTx/>
-                <a:latin typeface="Calibri"/>
-                <a:ea typeface="ＭＳ Ｐゴシック"/>
-                <a:cs typeface="+mn-cs"/>
-                <a:hlinkClick r:id="rId6"/>
-              </a:rPr>
-              <a:t>l</a:t>
-            </a:r>
-            <a:r>
-              <a:rPr kumimoji="0" lang="es-ES" sz="1050" b="0" i="0" u="none" strike="noStrike" kern="1200" cap="none" spc="-1" normalizeH="0" baseline="0" noProof="0" dirty="0">
-                <a:ln>
-                  <a:noFill/>
-                </a:ln>
-                <a:solidFill>
-                  <a:srgbClr val="1F497D"/>
-                </a:solidFill>
-                <a:effectLst/>
-                <a:uLnTx/>
-                <a:uFillTx/>
-                <a:latin typeface="Calibri"/>
-                <a:ea typeface="ＭＳ Ｐゴシック"/>
-                <a:cs typeface="+mn-cs"/>
-                <a:hlinkClick r:id="rId6"/>
-              </a:rPr>
-              <a:t>inkedin.com/</a:t>
-            </a:r>
-            <a:r>
-              <a:rPr kumimoji="0" lang="es-ES" sz="1050" b="0" i="0" u="none" strike="noStrike" kern="1200" cap="none" spc="-1" normalizeH="0" baseline="0" noProof="0" dirty="0" err="1">
-                <a:ln>
-                  <a:noFill/>
-                </a:ln>
-                <a:solidFill>
-                  <a:srgbClr val="1F497D"/>
-                </a:solidFill>
-                <a:effectLst/>
-                <a:uLnTx/>
-                <a:uFillTx/>
-                <a:latin typeface="Calibri"/>
-                <a:ea typeface="ＭＳ Ｐゴシック"/>
-                <a:cs typeface="+mn-cs"/>
-                <a:hlinkClick r:id="rId6"/>
-              </a:rPr>
-              <a:t>company</a:t>
-            </a:r>
-            <a:r>
-              <a:rPr kumimoji="0" lang="es-ES" sz="1050" b="0" i="0" u="none" strike="noStrike" kern="1200" cap="none" spc="-1" normalizeH="0" baseline="0" noProof="0" dirty="0">
-                <a:ln>
-                  <a:noFill/>
-                </a:ln>
-                <a:solidFill>
-                  <a:srgbClr val="1F497D"/>
-                </a:solidFill>
-                <a:effectLst/>
-                <a:uLnTx/>
-                <a:uFillTx/>
-                <a:latin typeface="Calibri"/>
-                <a:ea typeface="ＭＳ Ｐゴシック"/>
-                <a:cs typeface="+mn-cs"/>
-                <a:hlinkClick r:id="rId6"/>
-              </a:rPr>
-              <a:t>/icono-training-</a:t>
-            </a:r>
-            <a:r>
-              <a:rPr kumimoji="0" lang="es-ES" sz="1050" b="0" i="0" u="none" strike="noStrike" kern="1200" cap="none" spc="-1" normalizeH="0" baseline="0" noProof="0" dirty="0" err="1">
-                <a:ln>
-                  <a:noFill/>
-                </a:ln>
-                <a:solidFill>
-                  <a:srgbClr val="1F497D"/>
-                </a:solidFill>
-                <a:effectLst/>
-                <a:uLnTx/>
-                <a:uFillTx/>
-                <a:latin typeface="Calibri"/>
-                <a:ea typeface="ＭＳ Ｐゴシック"/>
-                <a:cs typeface="+mn-cs"/>
-                <a:hlinkClick r:id="rId6"/>
-              </a:rPr>
-              <a:t>consulting</a:t>
-            </a:r>
-            <a:endParaRPr kumimoji="0" lang="es-ES" sz="1050" b="0" i="0" u="none" strike="noStrike" kern="1200" cap="none" spc="-1" normalizeH="0" baseline="0" noProof="0" dirty="0">
-              <a:ln>
-                <a:noFill/>
-              </a:ln>
-              <a:solidFill>
-                <a:srgbClr val="1F497D"/>
-              </a:solidFill>
-              <a:effectLst/>
-              <a:uLnTx/>
-              <a:uFillTx/>
-              <a:latin typeface="Calibri"/>
-              <a:ea typeface="ＭＳ Ｐゴシック"/>
-              <a:cs typeface="+mn-cs"/>
-            </a:endParaRPr>
-          </a:p>
-          <a:p>
-            <a:pPr marL="357188" marR="0" lvl="0" indent="-357188" algn="just" defTabSz="914400" rtl="0" eaLnBrk="1" fontAlgn="auto" latinLnBrk="0" hangingPunct="1">
-              <a:lnSpc>
-                <a:spcPct val="200000"/>
-              </a:lnSpc>
-              <a:spcBef>
-                <a:spcPts val="0"/>
-              </a:spcBef>
-              <a:spcAft>
-                <a:spcPts val="0"/>
-              </a:spcAft>
-              <a:buClrTx/>
-              <a:buSzPct val="183000"/>
-              <a:buFontTx/>
-              <a:buBlip>
-                <a:blip r:embed="rId4"/>
-              </a:buBlip>
-              <a:tabLst/>
-              <a:defRPr/>
-            </a:pPr>
-            <a:r>
-              <a:rPr kumimoji="0" lang="es-ES" sz="1050" b="0" i="0" u="none" strike="noStrike" kern="1200" cap="none" spc="-1" normalizeH="0" baseline="0" noProof="0" dirty="0">
-                <a:ln>
-                  <a:noFill/>
-                </a:ln>
-                <a:solidFill>
-                  <a:srgbClr val="1F497D"/>
-                </a:solidFill>
-                <a:effectLst/>
-                <a:uLnTx/>
-                <a:uFillTx/>
-                <a:latin typeface="Calibri"/>
-                <a:ea typeface="ＭＳ Ｐゴシック"/>
-                <a:cs typeface="+mn-cs"/>
-              </a:rPr>
-              <a:t>           </a:t>
-            </a:r>
-            <a:r>
-              <a:rPr kumimoji="0" lang="es-ES" sz="1050" b="0" i="0" u="none" strike="noStrike" kern="1200" cap="none" spc="-1" normalizeH="0" baseline="0" noProof="0" dirty="0">
-                <a:ln>
-                  <a:noFill/>
-                </a:ln>
-                <a:solidFill>
-                  <a:srgbClr val="00519F"/>
-                </a:solidFill>
-                <a:effectLst/>
-                <a:uLnTx/>
-                <a:uFillTx/>
-                <a:latin typeface="Calibri"/>
-                <a:ea typeface="ＭＳ Ｐゴシック"/>
-                <a:cs typeface="+mn-cs"/>
-                <a:hlinkClick r:id="rId7"/>
-              </a:rPr>
-              <a:t>training@iconotc.com</a:t>
-            </a:r>
-            <a:endParaRPr kumimoji="0" lang="es-ES" sz="1050" b="0" i="0" u="none" strike="noStrike" kern="1200" cap="none" spc="-1" normalizeH="0" baseline="0" noProof="0" dirty="0">
-              <a:ln>
-                <a:noFill/>
-              </a:ln>
-              <a:solidFill>
-                <a:srgbClr val="00519F"/>
-              </a:solidFill>
-              <a:effectLst/>
-              <a:uLnTx/>
-              <a:uFillTx/>
-              <a:latin typeface="Calibri"/>
-              <a:ea typeface="ＭＳ Ｐゴシック"/>
-              <a:cs typeface="+mn-cs"/>
-            </a:endParaRPr>
-          </a:p>
-          <a:p>
-            <a:pPr marL="357188" marR="0" lvl="0" indent="-357188" algn="just" defTabSz="914400" rtl="0" eaLnBrk="1" fontAlgn="auto" latinLnBrk="0" hangingPunct="1">
-              <a:lnSpc>
-                <a:spcPct val="200000"/>
-              </a:lnSpc>
-              <a:spcBef>
-                <a:spcPts val="0"/>
-              </a:spcBef>
-              <a:spcAft>
-                <a:spcPts val="0"/>
-              </a:spcAft>
-              <a:buClrTx/>
-              <a:buSzPct val="183000"/>
-              <a:buFontTx/>
-              <a:buBlip>
-                <a:blip r:embed="rId4"/>
-              </a:buBlip>
-              <a:tabLst/>
-              <a:defRPr/>
-            </a:pPr>
-            <a:endParaRPr kumimoji="0" lang="es-ES" sz="1050" b="0" i="0" u="none" strike="noStrike" kern="1200" cap="none" spc="0" normalizeH="0" baseline="0" noProof="0" dirty="0">
-              <a:ln>
-                <a:noFill/>
-              </a:ln>
-              <a:solidFill>
-                <a:srgbClr val="1F497D"/>
-              </a:solidFill>
-              <a:effectLst/>
-              <a:uLnTx/>
-              <a:uFillTx/>
-              <a:latin typeface="Calibri"/>
-              <a:ea typeface="+mn-ea"/>
-              <a:cs typeface="+mn-cs"/>
-            </a:endParaRPr>
-          </a:p>
-          <a:p>
-            <a:pPr marL="0" marR="0" lvl="0" indent="0" algn="l" defTabSz="914400" rtl="0" eaLnBrk="1" fontAlgn="auto" latinLnBrk="0" hangingPunct="1">
-              <a:lnSpc>
-                <a:spcPct val="200000"/>
-              </a:lnSpc>
-              <a:spcBef>
-                <a:spcPts val="0"/>
-              </a:spcBef>
-              <a:spcAft>
-                <a:spcPts val="0"/>
-              </a:spcAft>
-              <a:buClrTx/>
-              <a:buSzTx/>
-              <a:buFontTx/>
-              <a:buBlip>
-                <a:blip r:embed="rId4"/>
-              </a:buBlip>
-              <a:tabLst/>
-              <a:defRPr/>
-            </a:pPr>
-            <a:endParaRPr kumimoji="0" lang="es-ES" sz="1050" b="0" i="0" u="none" strike="noStrike" kern="1200" cap="none" spc="0" normalizeH="0" baseline="0" noProof="0" dirty="0">
-              <a:ln>
-                <a:noFill/>
-              </a:ln>
-              <a:solidFill>
-                <a:srgbClr val="1F497D"/>
-              </a:solidFill>
-              <a:effectLst/>
-              <a:uLnTx/>
-              <a:uFillTx/>
-              <a:latin typeface="Calibri"/>
-              <a:ea typeface="+mn-ea"/>
-              <a:cs typeface="+mn-cs"/>
-            </a:endParaRPr>
-          </a:p>
-        </p:txBody>
-      </p:sp>
-      <p:sp>
-        <p:nvSpPr>
           <p:cNvPr id="18" name="Line 10"/>
           <p:cNvSpPr>
             <a:spLocks noChangeShapeType="1"/>
@@ -6673,7 +6310,7 @@
           <p:nvPr/>
         </p:nvPicPr>
         <p:blipFill>
-          <a:blip r:embed="rId8" cstate="print"/>
+          <a:blip r:embed="rId4" cstate="print"/>
           <a:srcRect/>
           <a:stretch>
             <a:fillRect/>
@@ -6766,7 +6403,7 @@
         <p:spPr>
           <a:xfrm>
             <a:off x="5279770" y="3856729"/>
-            <a:ext cx="3024000" cy="1292662"/>
+            <a:ext cx="3024000" cy="515782"/>
           </a:xfrm>
           <a:prstGeom prst="rect">
             <a:avLst/>
@@ -6819,7 +6456,16 @@
                 </a:solidFill>
                 <a:latin typeface="Calibri"/>
               </a:rPr>
-              <a:t>José María Segovia Marín</a:t>
+              <a:t>José María Segovia </a:t>
+            </a:r>
+            <a:r>
+              <a:rPr lang="es-ES" sz="1600" b="1" dirty="0" smtClean="0">
+                <a:solidFill>
+                  <a:srgbClr val="8BB425"/>
+                </a:solidFill>
+                <a:latin typeface="Calibri"/>
+              </a:rPr>
+              <a:t>Marín</a:t>
             </a:r>
             <a:endParaRPr kumimoji="0" lang="es-ES" sz="1600" b="1" i="0" u="none" strike="noStrike" kern="1200" cap="none" spc="0" normalizeH="0" baseline="0" noProof="0" dirty="0">
               <a:ln>
@@ -6836,80 +6482,6 @@
               <a:cs typeface="+mn-cs"/>
             </a:endParaRPr>
           </a:p>
-          <a:p>
-            <a:pPr marL="531813" lvl="1" indent="-265113" algn="just">
-              <a:lnSpc>
-                <a:spcPct val="150000"/>
-              </a:lnSpc>
-              <a:buSzPct val="183000"/>
-              <a:buBlip>
-                <a:blip r:embed="rId4"/>
-              </a:buBlip>
-              <a:defRPr/>
-            </a:pPr>
-            <a:r>
-              <a:rPr lang="es-ES" sz="1200" dirty="0" smtClean="0">
-                <a:solidFill>
-                  <a:srgbClr val="00519F"/>
-                </a:solidFill>
-              </a:rPr>
-              <a:t>DBA y formador TIC </a:t>
-            </a:r>
-            <a:r>
-              <a:rPr lang="es-ES" sz="1200" dirty="0" err="1" smtClean="0">
-                <a:solidFill>
-                  <a:srgbClr val="00519F"/>
-                </a:solidFill>
-              </a:rPr>
-              <a:t>PostgreSQL</a:t>
-            </a:r>
-            <a:endParaRPr kumimoji="0" lang="es-ES" sz="1200" b="0" i="0" u="none" strike="noStrike" kern="1200" cap="none" spc="0" normalizeH="0" baseline="0" noProof="0" dirty="0">
-              <a:ln>
-                <a:noFill/>
-              </a:ln>
-              <a:solidFill>
-                <a:srgbClr val="00519F"/>
-              </a:solidFill>
-              <a:effectLst/>
-              <a:uLnTx/>
-              <a:uFillTx/>
-              <a:ea typeface="+mn-ea"/>
-              <a:cs typeface="+mn-cs"/>
-            </a:endParaRPr>
-          </a:p>
-          <a:p>
-            <a:pPr marL="358775" marR="0" lvl="1" indent="0" algn="just" defTabSz="914400" rtl="0" eaLnBrk="1" fontAlgn="auto" latinLnBrk="0" hangingPunct="1">
-              <a:lnSpc>
-                <a:spcPct val="200000"/>
-              </a:lnSpc>
-              <a:spcBef>
-                <a:spcPts val="0"/>
-              </a:spcBef>
-              <a:spcAft>
-                <a:spcPts val="0"/>
-              </a:spcAft>
-              <a:buClrTx/>
-              <a:buSzPct val="183000"/>
-              <a:buFontTx/>
-              <a:buNone/>
-              <a:tabLst/>
-              <a:defRPr/>
-            </a:pPr>
-            <a:endParaRPr kumimoji="0" lang="es-ES" sz="1400" b="0" i="0" u="none" strike="noStrike" kern="1200" cap="none" spc="0" normalizeH="0" baseline="0" noProof="0" dirty="0">
-              <a:ln>
-                <a:noFill/>
-              </a:ln>
-              <a:solidFill>
-                <a:srgbClr val="1F497D"/>
-              </a:solidFill>
-              <a:effectLst/>
-              <a:uLnTx/>
-              <a:uFillTx/>
-              <a:latin typeface="Calibri"/>
-              <a:ea typeface="+mn-ea"/>
-              <a:cs typeface="+mn-cs"/>
-            </a:endParaRPr>
-          </a:p>
         </p:txBody>
       </p:sp>
       <p:pic>
@@ -6923,7 +6495,7 @@
           </p:nvPr>
         </p:nvPicPr>
         <p:blipFill>
-          <a:blip r:embed="rId9" cstate="print"/>
+          <a:blip r:embed="rId5" cstate="print"/>
           <a:srcRect/>
           <a:stretch>
             <a:fillRect/>
@@ -7012,7 +6584,7 @@
           <p:nvPr/>
         </p:nvPicPr>
         <p:blipFill>
-          <a:blip r:embed="rId10" cstate="print"/>
+          <a:blip r:embed="rId6" cstate="print"/>
           <a:stretch/>
         </p:blipFill>
         <p:spPr>
@@ -7169,7 +6741,7 @@
           <p:nvPr/>
         </p:nvPicPr>
         <p:blipFill>
-          <a:blip r:embed="rId11" cstate="print"/>
+          <a:blip r:embed="rId7" cstate="print"/>
           <a:stretch/>
         </p:blipFill>
         <p:spPr>
@@ -7192,7 +6764,7 @@
           <p:nvPr/>
         </p:nvPicPr>
         <p:blipFill>
-          <a:blip r:embed="rId12" cstate="print"/>
+          <a:blip r:embed="rId8" cstate="print"/>
           <a:stretch/>
         </p:blipFill>
         <p:spPr>
@@ -7215,7 +6787,7 @@
           <p:nvPr/>
         </p:nvPicPr>
         <p:blipFill>
-          <a:blip r:embed="rId13" cstate="print"/>
+          <a:blip r:embed="rId9" cstate="print"/>
           <a:stretch/>
         </p:blipFill>
         <p:spPr>
@@ -7238,7 +6810,7 @@
           <p:nvPr/>
         </p:nvPicPr>
         <p:blipFill>
-          <a:blip r:embed="rId14" cstate="print"/>
+          <a:blip r:embed="rId10" cstate="print"/>
           <a:stretch/>
         </p:blipFill>
         <p:spPr>
@@ -7259,7 +6831,7 @@
           <p:cNvPr id="25" name="24 Imagen" descr="Sin título-1.jpg">
             <a:extLst>
               <a:ext uri="{FF2B5EF4-FFF2-40B4-BE49-F238E27FC236}">
-                <a16:creationId xmlns="" xmlns:a16="http://schemas.microsoft.com/office/drawing/2014/main" id="{3862D025-0A6A-4650-B9D3-D16B86CB3769}"/>
+                <a16:creationId xmlns:a16="http://schemas.microsoft.com/office/drawing/2014/main" xmlns="" id="{3862D025-0A6A-4650-B9D3-D16B86CB3769}"/>
               </a:ext>
             </a:extLst>
           </p:cNvPr>
@@ -7269,7 +6841,7 @@
           <p:nvPr/>
         </p:nvPicPr>
         <p:blipFill>
-          <a:blip r:embed="rId15" cstate="print"/>
+          <a:blip r:embed="rId11" cstate="print"/>
           <a:stretch>
             <a:fillRect/>
           </a:stretch>
@@ -7284,10 +6856,516 @@
           </a:prstGeom>
         </p:spPr>
       </p:pic>
+      <p:sp>
+        <p:nvSpPr>
+          <p:cNvPr id="19" name="18 CuadroTexto"/>
+          <p:cNvSpPr txBox="1"/>
+          <p:nvPr/>
+        </p:nvSpPr>
+        <p:spPr>
+          <a:xfrm>
+            <a:off x="534028" y="4097104"/>
+            <a:ext cx="3500364" cy="1708160"/>
+          </a:xfrm>
+          <a:prstGeom prst="rect">
+            <a:avLst/>
+          </a:prstGeom>
+          <a:noFill/>
+          <a:ln>
+            <a:solidFill>
+              <a:schemeClr val="bg1"/>
+            </a:solidFill>
+          </a:ln>
+        </p:spPr>
+        <p:txBody>
+          <a:bodyPr wrap="square" rtlCol="0">
+            <a:spAutoFit/>
+          </a:bodyPr>
+          <a:lstStyle/>
+          <a:p>
+            <a:pPr marL="357188" marR="0" lvl="0" indent="-357188" algn="just" defTabSz="914400" rtl="0" eaLnBrk="1" fontAlgn="auto" latinLnBrk="0" hangingPunct="1">
+              <a:lnSpc>
+                <a:spcPct val="200000"/>
+              </a:lnSpc>
+              <a:spcBef>
+                <a:spcPts val="0"/>
+              </a:spcBef>
+              <a:spcAft>
+                <a:spcPts val="0"/>
+              </a:spcAft>
+              <a:buClrTx/>
+              <a:buSzPct val="183000"/>
+              <a:buFontTx/>
+              <a:buBlip>
+                <a:blip r:embed="rId12"/>
+              </a:buBlip>
+              <a:tabLst/>
+              <a:defRPr/>
+            </a:pPr>
+            <a:r>
+              <a:rPr kumimoji="0" lang="es-ES" sz="1050" b="0" i="0" u="none" strike="noStrike" kern="1200" cap="none" spc="0" normalizeH="0" baseline="0" noProof="0" dirty="0">
+                <a:ln>
+                  <a:noFill/>
+                </a:ln>
+                <a:solidFill>
+                  <a:srgbClr val="1F497D"/>
+                </a:solidFill>
+                <a:effectLst/>
+                <a:uLnTx/>
+                <a:uFillTx/>
+                <a:latin typeface="Calibri"/>
+                <a:ea typeface="+mn-ea"/>
+                <a:cs typeface="+mn-cs"/>
+                <a:hlinkClick r:id="rId13"/>
+              </a:rPr>
+              <a:t>www.iconotc.com</a:t>
+            </a:r>
+            <a:endParaRPr kumimoji="0" lang="es-ES" sz="1050" b="0" i="0" u="none" strike="noStrike" kern="1200" cap="none" spc="0" normalizeH="0" baseline="0" noProof="0" dirty="0">
+              <a:ln>
+                <a:noFill/>
+              </a:ln>
+              <a:solidFill>
+                <a:srgbClr val="1F497D"/>
+              </a:solidFill>
+              <a:effectLst/>
+              <a:uLnTx/>
+              <a:uFillTx/>
+              <a:latin typeface="Calibri"/>
+              <a:ea typeface="+mn-ea"/>
+              <a:cs typeface="+mn-cs"/>
+            </a:endParaRPr>
+          </a:p>
+          <a:p>
+            <a:pPr marL="357188" marR="0" lvl="0" indent="-357188" algn="just" defTabSz="914400" rtl="0" eaLnBrk="1" fontAlgn="auto" latinLnBrk="0" hangingPunct="1">
+              <a:lnSpc>
+                <a:spcPct val="200000"/>
+              </a:lnSpc>
+              <a:spcBef>
+                <a:spcPts val="0"/>
+              </a:spcBef>
+              <a:spcAft>
+                <a:spcPts val="0"/>
+              </a:spcAft>
+              <a:buClrTx/>
+              <a:buSzPct val="183000"/>
+              <a:buFontTx/>
+              <a:buBlip>
+                <a:blip r:embed="rId12"/>
+              </a:buBlip>
+              <a:tabLst/>
+              <a:defRPr/>
+            </a:pPr>
+            <a:r>
+              <a:rPr kumimoji="0" lang="es-ES" sz="1050" b="0" i="0" u="none" strike="noStrike" kern="1200" cap="none" spc="-1" normalizeH="0" baseline="0" noProof="0" dirty="0">
+                <a:ln>
+                  <a:noFill/>
+                </a:ln>
+                <a:solidFill>
+                  <a:prstClr val="white"/>
+                </a:solidFill>
+                <a:effectLst/>
+                <a:uLnTx/>
+                <a:uFillTx/>
+                <a:latin typeface="Calibri"/>
+                <a:ea typeface="ＭＳ Ｐゴシック"/>
+                <a:cs typeface="+mn-cs"/>
+              </a:rPr>
+              <a:t>          </a:t>
+            </a:r>
+            <a:r>
+              <a:rPr kumimoji="0" lang="es-ES" sz="1050" b="0" i="0" u="none" strike="noStrike" kern="1200" cap="none" spc="-1" normalizeH="0" baseline="0" noProof="0" dirty="0">
+                <a:ln>
+                  <a:noFill/>
+                </a:ln>
+                <a:solidFill>
+                  <a:prstClr val="white"/>
+                </a:solidFill>
+                <a:effectLst/>
+                <a:uLnTx/>
+                <a:uFillTx/>
+                <a:latin typeface="Calibri"/>
+                <a:ea typeface="ＭＳ Ｐゴシック"/>
+                <a:cs typeface="+mn-cs"/>
+                <a:hlinkClick r:id="rId14"/>
+              </a:rPr>
+              <a:t>l</a:t>
+            </a:r>
+            <a:r>
+              <a:rPr kumimoji="0" lang="es-ES" sz="1050" b="0" i="0" u="none" strike="noStrike" kern="1200" cap="none" spc="-1" normalizeH="0" baseline="0" noProof="0" dirty="0">
+                <a:ln>
+                  <a:noFill/>
+                </a:ln>
+                <a:solidFill>
+                  <a:srgbClr val="1F497D"/>
+                </a:solidFill>
+                <a:effectLst/>
+                <a:uLnTx/>
+                <a:uFillTx/>
+                <a:latin typeface="Calibri"/>
+                <a:ea typeface="ＭＳ Ｐゴシック"/>
+                <a:cs typeface="+mn-cs"/>
+                <a:hlinkClick r:id="rId14"/>
+              </a:rPr>
+              <a:t>inkedin.com/</a:t>
+            </a:r>
+            <a:r>
+              <a:rPr kumimoji="0" lang="es-ES" sz="1050" b="0" i="0" u="none" strike="noStrike" kern="1200" cap="none" spc="-1" normalizeH="0" baseline="0" noProof="0" dirty="0" err="1">
+                <a:ln>
+                  <a:noFill/>
+                </a:ln>
+                <a:solidFill>
+                  <a:srgbClr val="1F497D"/>
+                </a:solidFill>
+                <a:effectLst/>
+                <a:uLnTx/>
+                <a:uFillTx/>
+                <a:latin typeface="Calibri"/>
+                <a:ea typeface="ＭＳ Ｐゴシック"/>
+                <a:cs typeface="+mn-cs"/>
+                <a:hlinkClick r:id="rId14"/>
+              </a:rPr>
+              <a:t>company</a:t>
+            </a:r>
+            <a:r>
+              <a:rPr kumimoji="0" lang="es-ES" sz="1050" b="0" i="0" u="none" strike="noStrike" kern="1200" cap="none" spc="-1" normalizeH="0" baseline="0" noProof="0" dirty="0">
+                <a:ln>
+                  <a:noFill/>
+                </a:ln>
+                <a:solidFill>
+                  <a:srgbClr val="1F497D"/>
+                </a:solidFill>
+                <a:effectLst/>
+                <a:uLnTx/>
+                <a:uFillTx/>
+                <a:latin typeface="Calibri"/>
+                <a:ea typeface="ＭＳ Ｐゴシック"/>
+                <a:cs typeface="+mn-cs"/>
+                <a:hlinkClick r:id="rId14"/>
+              </a:rPr>
+              <a:t>/icono-training-</a:t>
+            </a:r>
+            <a:r>
+              <a:rPr kumimoji="0" lang="es-ES" sz="1050" b="0" i="0" u="none" strike="noStrike" kern="1200" cap="none" spc="-1" normalizeH="0" baseline="0" noProof="0" dirty="0" err="1">
+                <a:ln>
+                  <a:noFill/>
+                </a:ln>
+                <a:solidFill>
+                  <a:srgbClr val="1F497D"/>
+                </a:solidFill>
+                <a:effectLst/>
+                <a:uLnTx/>
+                <a:uFillTx/>
+                <a:latin typeface="Calibri"/>
+                <a:ea typeface="ＭＳ Ｐゴシック"/>
+                <a:cs typeface="+mn-cs"/>
+                <a:hlinkClick r:id="rId14"/>
+              </a:rPr>
+              <a:t>consulting</a:t>
+            </a:r>
+            <a:endParaRPr kumimoji="0" lang="es-ES" sz="1050" b="0" i="0" u="none" strike="noStrike" kern="1200" cap="none" spc="-1" normalizeH="0" baseline="0" noProof="0" dirty="0">
+              <a:ln>
+                <a:noFill/>
+              </a:ln>
+              <a:solidFill>
+                <a:srgbClr val="1F497D"/>
+              </a:solidFill>
+              <a:effectLst/>
+              <a:uLnTx/>
+              <a:uFillTx/>
+              <a:latin typeface="Calibri"/>
+              <a:ea typeface="ＭＳ Ｐゴシック"/>
+              <a:cs typeface="+mn-cs"/>
+            </a:endParaRPr>
+          </a:p>
+          <a:p>
+            <a:pPr marL="357188" marR="0" lvl="0" indent="-357188" algn="just" defTabSz="914400" rtl="0" eaLnBrk="1" fontAlgn="auto" latinLnBrk="0" hangingPunct="1">
+              <a:lnSpc>
+                <a:spcPct val="200000"/>
+              </a:lnSpc>
+              <a:spcBef>
+                <a:spcPts val="0"/>
+              </a:spcBef>
+              <a:spcAft>
+                <a:spcPts val="0"/>
+              </a:spcAft>
+              <a:buClrTx/>
+              <a:buSzPct val="183000"/>
+              <a:buFontTx/>
+              <a:buBlip>
+                <a:blip r:embed="rId12"/>
+              </a:buBlip>
+              <a:tabLst/>
+              <a:defRPr/>
+            </a:pPr>
+            <a:r>
+              <a:rPr kumimoji="0" lang="es-ES" sz="1050" b="0" i="0" u="none" strike="noStrike" kern="1200" cap="none" spc="-1" normalizeH="0" baseline="0" noProof="0" dirty="0">
+                <a:ln>
+                  <a:noFill/>
+                </a:ln>
+                <a:solidFill>
+                  <a:srgbClr val="1F497D"/>
+                </a:solidFill>
+                <a:effectLst/>
+                <a:uLnTx/>
+                <a:uFillTx/>
+                <a:latin typeface="Calibri"/>
+                <a:ea typeface="ＭＳ Ｐゴシック"/>
+                <a:cs typeface="+mn-cs"/>
+              </a:rPr>
+              <a:t>           </a:t>
+            </a:r>
+            <a:r>
+              <a:rPr kumimoji="0" lang="es-ES" sz="1050" b="0" i="0" u="none" strike="noStrike" kern="1200" cap="none" spc="-1" normalizeH="0" baseline="0" noProof="0" dirty="0">
+                <a:ln>
+                  <a:noFill/>
+                </a:ln>
+                <a:solidFill>
+                  <a:srgbClr val="00519F"/>
+                </a:solidFill>
+                <a:effectLst/>
+                <a:uLnTx/>
+                <a:uFillTx/>
+                <a:latin typeface="Calibri"/>
+                <a:ea typeface="ＭＳ Ｐゴシック"/>
+                <a:cs typeface="+mn-cs"/>
+                <a:hlinkClick r:id="rId15"/>
+              </a:rPr>
+              <a:t>training@iconotc.com</a:t>
+            </a:r>
+            <a:endParaRPr kumimoji="0" lang="es-ES" sz="1050" b="0" i="0" u="none" strike="noStrike" kern="1200" cap="none" spc="-1" normalizeH="0" baseline="0" noProof="0" dirty="0">
+              <a:ln>
+                <a:noFill/>
+              </a:ln>
+              <a:solidFill>
+                <a:srgbClr val="00519F"/>
+              </a:solidFill>
+              <a:effectLst/>
+              <a:uLnTx/>
+              <a:uFillTx/>
+              <a:latin typeface="Calibri"/>
+              <a:ea typeface="ＭＳ Ｐゴシック"/>
+              <a:cs typeface="+mn-cs"/>
+            </a:endParaRPr>
+          </a:p>
+          <a:p>
+            <a:pPr marL="357188" marR="0" lvl="0" indent="-357188" algn="just" defTabSz="914400" rtl="0" eaLnBrk="1" fontAlgn="auto" latinLnBrk="0" hangingPunct="1">
+              <a:lnSpc>
+                <a:spcPct val="200000"/>
+              </a:lnSpc>
+              <a:spcBef>
+                <a:spcPts val="0"/>
+              </a:spcBef>
+              <a:spcAft>
+                <a:spcPts val="0"/>
+              </a:spcAft>
+              <a:buClrTx/>
+              <a:buSzPct val="183000"/>
+              <a:buFontTx/>
+              <a:buBlip>
+                <a:blip r:embed="rId12"/>
+              </a:buBlip>
+              <a:tabLst/>
+              <a:defRPr/>
+            </a:pPr>
+            <a:endParaRPr kumimoji="0" lang="es-ES" sz="1050" b="0" i="0" u="none" strike="noStrike" kern="1200" cap="none" spc="0" normalizeH="0" baseline="0" noProof="0" dirty="0">
+              <a:ln>
+                <a:noFill/>
+              </a:ln>
+              <a:solidFill>
+                <a:srgbClr val="1F497D"/>
+              </a:solidFill>
+              <a:effectLst/>
+              <a:uLnTx/>
+              <a:uFillTx/>
+              <a:latin typeface="Calibri"/>
+              <a:ea typeface="+mn-ea"/>
+              <a:cs typeface="+mn-cs"/>
+            </a:endParaRPr>
+          </a:p>
+          <a:p>
+            <a:pPr marL="0" marR="0" lvl="0" indent="0" algn="l" defTabSz="914400" rtl="0" eaLnBrk="1" fontAlgn="auto" latinLnBrk="0" hangingPunct="1">
+              <a:lnSpc>
+                <a:spcPct val="200000"/>
+              </a:lnSpc>
+              <a:spcBef>
+                <a:spcPts val="0"/>
+              </a:spcBef>
+              <a:spcAft>
+                <a:spcPts val="0"/>
+              </a:spcAft>
+              <a:buClrTx/>
+              <a:buSzTx/>
+              <a:buFontTx/>
+              <a:buBlip>
+                <a:blip r:embed="rId12"/>
+              </a:buBlip>
+              <a:tabLst/>
+              <a:defRPr/>
+            </a:pPr>
+            <a:endParaRPr kumimoji="0" lang="es-ES" sz="1050" b="0" i="0" u="none" strike="noStrike" kern="1200" cap="none" spc="0" normalizeH="0" baseline="0" noProof="0" dirty="0">
+              <a:ln>
+                <a:noFill/>
+              </a:ln>
+              <a:solidFill>
+                <a:srgbClr val="1F497D"/>
+              </a:solidFill>
+              <a:effectLst/>
+              <a:uLnTx/>
+              <a:uFillTx/>
+              <a:latin typeface="Calibri"/>
+              <a:ea typeface="+mn-ea"/>
+              <a:cs typeface="+mn-cs"/>
+            </a:endParaRPr>
+          </a:p>
+        </p:txBody>
+      </p:sp>
+      <p:pic>
+        <p:nvPicPr>
+          <p:cNvPr id="32" name="Picture 3"/>
+          <p:cNvPicPr/>
+          <p:nvPr/>
+        </p:nvPicPr>
+        <p:blipFill>
+          <a:blip r:embed="rId3" cstate="print"/>
+          <a:stretch/>
+        </p:blipFill>
+        <p:spPr>
+          <a:xfrm>
+            <a:off x="5925160" y="4660543"/>
+            <a:ext cx="216000" cy="252000"/>
+          </a:xfrm>
+          <a:prstGeom prst="rect">
+            <a:avLst/>
+          </a:prstGeom>
+          <a:ln>
+            <a:noFill/>
+          </a:ln>
+        </p:spPr>
+      </p:pic>
+      <p:sp>
+        <p:nvSpPr>
+          <p:cNvPr id="34" name="18 CuadroTexto"/>
+          <p:cNvSpPr txBox="1"/>
+          <p:nvPr/>
+        </p:nvSpPr>
+        <p:spPr>
+          <a:xfrm>
+            <a:off x="5276587" y="4365282"/>
+            <a:ext cx="3500364" cy="646331"/>
+          </a:xfrm>
+          <a:prstGeom prst="rect">
+            <a:avLst/>
+          </a:prstGeom>
+          <a:noFill/>
+          <a:ln>
+            <a:solidFill>
+              <a:schemeClr val="bg1"/>
+            </a:solidFill>
+          </a:ln>
+        </p:spPr>
+        <p:txBody>
+          <a:bodyPr wrap="square" rtlCol="0">
+            <a:spAutoFit/>
+          </a:bodyPr>
+          <a:lstStyle/>
+          <a:p>
+            <a:pPr marL="531813" lvl="1" indent="-265113" algn="just">
+              <a:lnSpc>
+                <a:spcPct val="150000"/>
+              </a:lnSpc>
+              <a:buSzPct val="183000"/>
+              <a:buBlip>
+                <a:blip r:embed="rId12"/>
+              </a:buBlip>
+              <a:defRPr/>
+            </a:pPr>
+            <a:r>
+              <a:rPr lang="es-ES" sz="1200" dirty="0">
+                <a:solidFill>
+                  <a:srgbClr val="00519F"/>
+                </a:solidFill>
+              </a:rPr>
+              <a:t>DBA y formador TIC </a:t>
+            </a:r>
+            <a:r>
+              <a:rPr lang="es-ES" sz="1200" dirty="0" err="1" smtClean="0">
+                <a:solidFill>
+                  <a:srgbClr val="00519F"/>
+                </a:solidFill>
+              </a:rPr>
+              <a:t>PostgreSQL</a:t>
+            </a:r>
+            <a:endParaRPr lang="es-ES" sz="1200" dirty="0" smtClean="0">
+              <a:solidFill>
+                <a:srgbClr val="00519F"/>
+              </a:solidFill>
+            </a:endParaRPr>
+          </a:p>
+          <a:p>
+            <a:pPr marL="531813" lvl="1" indent="-265113" algn="just">
+              <a:lnSpc>
+                <a:spcPct val="150000"/>
+              </a:lnSpc>
+              <a:buSzPct val="183000"/>
+              <a:buBlip>
+                <a:blip r:embed="rId12"/>
+              </a:buBlip>
+              <a:defRPr/>
+            </a:pPr>
+            <a:r>
+              <a:rPr kumimoji="0" lang="es-ES" sz="1200" b="0" i="0" u="none" strike="noStrike" kern="1200" cap="none" spc="-1" normalizeH="0" baseline="0" noProof="0" dirty="0" smtClean="0">
+                <a:ln>
+                  <a:noFill/>
+                </a:ln>
+                <a:solidFill>
+                  <a:prstClr val="white"/>
+                </a:solidFill>
+                <a:effectLst/>
+                <a:uLnTx/>
+                <a:uFillTx/>
+                <a:latin typeface="Calibri"/>
+                <a:ea typeface="ＭＳ Ｐゴシック"/>
+              </a:rPr>
+              <a:t>           </a:t>
+            </a:r>
+            <a:r>
+              <a:rPr lang="es-ES" sz="1200" dirty="0" smtClean="0">
+                <a:hlinkClick r:id="rId16"/>
+              </a:rPr>
+              <a:t>linkedin.com/in/</a:t>
+            </a:r>
+            <a:r>
+              <a:rPr lang="es-ES" sz="1200" dirty="0" err="1" smtClean="0">
+                <a:hlinkClick r:id="rId16"/>
+              </a:rPr>
+              <a:t>josesegovia</a:t>
+            </a:r>
+            <a:r>
+              <a:rPr lang="es-ES" sz="1200" dirty="0">
+                <a:hlinkClick r:id="rId16"/>
+              </a:rPr>
+              <a:t>/</a:t>
+            </a:r>
+            <a:endParaRPr kumimoji="0" lang="es-ES" sz="1200" b="0" i="0" u="none" strike="noStrike" kern="1200" cap="none" spc="-1" normalizeH="0" baseline="0" noProof="0" dirty="0">
+              <a:ln>
+                <a:noFill/>
+              </a:ln>
+              <a:solidFill>
+                <a:srgbClr val="1F497D"/>
+              </a:solidFill>
+              <a:effectLst/>
+              <a:uLnTx/>
+              <a:uFillTx/>
+              <a:latin typeface="Calibri"/>
+              <a:ea typeface="ＭＳ Ｐゴシック"/>
+            </a:endParaRPr>
+          </a:p>
+        </p:txBody>
+      </p:sp>
     </p:spTree>
     <p:extLst>
       <p:ext uri="{BB962C8B-B14F-4D97-AF65-F5344CB8AC3E}">
-        <p14:creationId xmlns:p14="http://schemas.microsoft.com/office/powerpoint/2010/main" val="561762674"/>
+        <p14:creationId xmlns:p14="http://schemas.microsoft.com/office/powerpoint/2010/main" val="4005247098"/>
       </p:ext>
     </p:extLst>
   </p:cSld>
@@ -7591,15 +7669,7 @@
                   <a:srgbClr val="00519F"/>
                 </a:solidFill>
               </a:rPr>
-              <a:t> </a:t>
-            </a:r>
-            <a:r>
-              <a:rPr lang="pt-BR" sz="1200" dirty="0" smtClean="0">
-                <a:solidFill>
-                  <a:srgbClr val="00519F"/>
-                </a:solidFill>
-              </a:rPr>
-              <a:t>de sistemas de </a:t>
+              <a:t> de sistemas de </a:t>
             </a:r>
             <a:r>
               <a:rPr lang="pt-BR" sz="1200" dirty="0" err="1" smtClean="0">
@@ -7638,6 +7708,17 @@
                 </a:solidFill>
               </a:rPr>
               <a:t>Optimización del rendimiento </a:t>
+            </a:r>
+          </a:p>
+          <a:p>
+            <a:pPr lvl="2"/>
+            <a:r>
+              <a:rPr lang="es-ES" sz="1200" dirty="0">
+                <a:solidFill>
+                  <a:srgbClr val="00519F"/>
+                </a:solidFill>
+              </a:rPr>
+              <a:t>Monitorización </a:t>
             </a:r>
             <a:endParaRPr lang="es-ES" sz="1200" dirty="0" smtClean="0">
               <a:solidFill>
@@ -7653,22 +7734,6 @@
                   <a:srgbClr val="00519F"/>
                 </a:solidFill>
               </a:rPr>
-              <a:t>Monitorización </a:t>
-            </a:r>
-            <a:endParaRPr lang="es-ES" sz="1200" dirty="0" smtClean="0">
-              <a:solidFill>
-                <a:srgbClr val="00519F"/>
-              </a:solidFill>
-            </a:endParaRPr>
-          </a:p>
-          <a:p>
-            <a:pPr lvl="2"/>
-            <a:r>
-              <a:rPr lang="es-ES" sz="1200" dirty="0">
-                <a:solidFill>
-                  <a:srgbClr val="00519F"/>
-                </a:solidFill>
-              </a:rPr>
               <a:t>Utilidades adicionales –</a:t>
             </a:r>
             <a:r>
@@ -7709,21 +7774,8 @@
                   <a:srgbClr val="00519F"/>
                 </a:solidFill>
               </a:rPr>
-              <a:t> de </a:t>
-            </a:r>
-            <a:r>
-              <a:rPr lang="es-ES" sz="1200" dirty="0" smtClean="0">
-                <a:solidFill>
-                  <a:srgbClr val="00519F"/>
-                </a:solidFill>
-              </a:rPr>
-              <a:t>tablas </a:t>
-            </a:r>
-            <a:endParaRPr lang="es-ES" sz="1200" dirty="0" smtClean="0">
-              <a:solidFill>
-                <a:srgbClr val="00519F"/>
-              </a:solidFill>
-            </a:endParaRPr>
+              <a:t> de tablas </a:t>
+            </a:r>
           </a:p>
           <a:p>
             <a:pPr lvl="2"/>
@@ -7744,15 +7796,7 @@
                   <a:srgbClr val="00519F"/>
                 </a:solidFill>
               </a:rPr>
-              <a:t>Replicación </a:t>
-            </a:r>
-            <a:r>
-              <a:rPr lang="es-ES" sz="1200" dirty="0" smtClean="0">
-                <a:solidFill>
-                  <a:srgbClr val="00519F"/>
-                </a:solidFill>
-              </a:rPr>
-              <a:t>y alta disponibilidad </a:t>
+              <a:t>Replicación y alta disponibilidad </a:t>
             </a:r>
           </a:p>
           <a:p>
